--- a/仕様書/仕様書.pptx
+++ b/仕様書/仕様書.pptx
@@ -288,7 +288,7 @@
           <a:p>
             <a:fld id="{4C677456-58E5-4306-BF96-A1E735093B11}" type="datetimeFigureOut">
               <a:rPr kumimoji="1" lang="ja-JP" altLang="en-US" smtClean="0"/>
-              <a:t>2022/10/4</a:t>
+              <a:t>2022/10/5</a:t>
             </a:fld>
             <a:endParaRPr kumimoji="1" lang="ja-JP" altLang="en-US"/>
           </a:p>
@@ -490,7 +490,7 @@
           <a:p>
             <a:fld id="{4C677456-58E5-4306-BF96-A1E735093B11}" type="datetimeFigureOut">
               <a:rPr kumimoji="1" lang="ja-JP" altLang="en-US" smtClean="0"/>
-              <a:t>2022/10/4</a:t>
+              <a:t>2022/10/5</a:t>
             </a:fld>
             <a:endParaRPr kumimoji="1" lang="ja-JP" altLang="en-US"/>
           </a:p>
@@ -702,7 +702,7 @@
           <a:p>
             <a:fld id="{4C677456-58E5-4306-BF96-A1E735093B11}" type="datetimeFigureOut">
               <a:rPr kumimoji="1" lang="ja-JP" altLang="en-US" smtClean="0"/>
-              <a:t>2022/10/4</a:t>
+              <a:t>2022/10/5</a:t>
             </a:fld>
             <a:endParaRPr kumimoji="1" lang="ja-JP" altLang="en-US"/>
           </a:p>
@@ -904,7 +904,7 @@
           <a:p>
             <a:fld id="{4C677456-58E5-4306-BF96-A1E735093B11}" type="datetimeFigureOut">
               <a:rPr kumimoji="1" lang="ja-JP" altLang="en-US" smtClean="0"/>
-              <a:t>2022/10/4</a:t>
+              <a:t>2022/10/5</a:t>
             </a:fld>
             <a:endParaRPr kumimoji="1" lang="ja-JP" altLang="en-US"/>
           </a:p>
@@ -1150,7 +1150,7 @@
           <a:p>
             <a:fld id="{4C677456-58E5-4306-BF96-A1E735093B11}" type="datetimeFigureOut">
               <a:rPr kumimoji="1" lang="ja-JP" altLang="en-US" smtClean="0"/>
-              <a:t>2022/10/4</a:t>
+              <a:t>2022/10/5</a:t>
             </a:fld>
             <a:endParaRPr kumimoji="1" lang="ja-JP" altLang="en-US"/>
           </a:p>
@@ -1446,7 +1446,7 @@
           <a:p>
             <a:fld id="{4C677456-58E5-4306-BF96-A1E735093B11}" type="datetimeFigureOut">
               <a:rPr kumimoji="1" lang="ja-JP" altLang="en-US" smtClean="0"/>
-              <a:t>2022/10/4</a:t>
+              <a:t>2022/10/5</a:t>
             </a:fld>
             <a:endParaRPr kumimoji="1" lang="ja-JP" altLang="en-US"/>
           </a:p>
@@ -1877,7 +1877,7 @@
           <a:p>
             <a:fld id="{4C677456-58E5-4306-BF96-A1E735093B11}" type="datetimeFigureOut">
               <a:rPr kumimoji="1" lang="ja-JP" altLang="en-US" smtClean="0"/>
-              <a:t>2022/10/4</a:t>
+              <a:t>2022/10/5</a:t>
             </a:fld>
             <a:endParaRPr kumimoji="1" lang="ja-JP" altLang="en-US"/>
           </a:p>
@@ -1995,7 +1995,7 @@
           <a:p>
             <a:fld id="{4C677456-58E5-4306-BF96-A1E735093B11}" type="datetimeFigureOut">
               <a:rPr kumimoji="1" lang="ja-JP" altLang="en-US" smtClean="0"/>
-              <a:t>2022/10/4</a:t>
+              <a:t>2022/10/5</a:t>
             </a:fld>
             <a:endParaRPr kumimoji="1" lang="ja-JP" altLang="en-US"/>
           </a:p>
@@ -2090,7 +2090,7 @@
           <a:p>
             <a:fld id="{4C677456-58E5-4306-BF96-A1E735093B11}" type="datetimeFigureOut">
               <a:rPr kumimoji="1" lang="ja-JP" altLang="en-US" smtClean="0"/>
-              <a:t>2022/10/4</a:t>
+              <a:t>2022/10/5</a:t>
             </a:fld>
             <a:endParaRPr kumimoji="1" lang="ja-JP" altLang="en-US"/>
           </a:p>
@@ -2399,7 +2399,7 @@
           <a:p>
             <a:fld id="{4C677456-58E5-4306-BF96-A1E735093B11}" type="datetimeFigureOut">
               <a:rPr kumimoji="1" lang="ja-JP" altLang="en-US" smtClean="0"/>
-              <a:t>2022/10/4</a:t>
+              <a:t>2022/10/5</a:t>
             </a:fld>
             <a:endParaRPr kumimoji="1" lang="ja-JP" altLang="en-US"/>
           </a:p>
@@ -2652,7 +2652,7 @@
           <a:p>
             <a:fld id="{4C677456-58E5-4306-BF96-A1E735093B11}" type="datetimeFigureOut">
               <a:rPr kumimoji="1" lang="ja-JP" altLang="en-US" smtClean="0"/>
-              <a:t>2022/10/4</a:t>
+              <a:t>2022/10/5</a:t>
             </a:fld>
             <a:endParaRPr kumimoji="1" lang="ja-JP" altLang="en-US"/>
           </a:p>
@@ -2897,7 +2897,7 @@
           <a:p>
             <a:fld id="{4C677456-58E5-4306-BF96-A1E735093B11}" type="datetimeFigureOut">
               <a:rPr kumimoji="1" lang="ja-JP" altLang="en-US" smtClean="0"/>
-              <a:t>2022/10/4</a:t>
+              <a:t>2022/10/5</a:t>
             </a:fld>
             <a:endParaRPr kumimoji="1" lang="ja-JP" altLang="en-US"/>
           </a:p>
@@ -9376,14 +9376,7 @@
                 <a:latin typeface="ニコモジ＋" panose="02000600000000000000" pitchFamily="2" charset="-128"/>
                 <a:ea typeface="ニコモジ＋" panose="02000600000000000000" pitchFamily="2" charset="-128"/>
               </a:rPr>
-              <a:t>敵にあたったら具材を</a:t>
-            </a:r>
-            <a:r>
-              <a:rPr lang="ja-JP" altLang="en-US" sz="4400" dirty="0" smtClean="0">
-                <a:latin typeface="ニコモジ＋" panose="02000600000000000000" pitchFamily="2" charset="-128"/>
-                <a:ea typeface="ニコモジ＋" panose="02000600000000000000" pitchFamily="2" charset="-128"/>
-              </a:rPr>
-              <a:t>落とす</a:t>
+              <a:t>敵にあたったら具材を落とす</a:t>
             </a:r>
             <a:endParaRPr lang="en-US" altLang="ja-JP" sz="4400" dirty="0" smtClean="0">
               <a:latin typeface="ニコモジ＋" panose="02000600000000000000" pitchFamily="2" charset="-128"/>

--- a/仕様書/仕様書.pptx
+++ b/仕様書/仕様書.pptx
@@ -5493,7 +5493,7 @@
         </p:nvSpPr>
         <p:spPr>
           <a:xfrm>
-            <a:off x="4269309" y="542443"/>
+            <a:off x="4066109" y="493631"/>
             <a:ext cx="5525861" cy="584775"/>
           </a:xfrm>
           <a:prstGeom prst="rect">
@@ -5531,7 +5531,7 @@
         <p:spPr>
           <a:xfrm>
             <a:off x="693305" y="1178110"/>
-            <a:ext cx="7460095" cy="3970318"/>
+            <a:ext cx="7460095" cy="2677656"/>
           </a:xfrm>
           <a:prstGeom prst="rect">
             <a:avLst/>
@@ -5549,12 +5549,16 @@
                 <a:latin typeface="ニコモジ＋" panose="02000600000000000000" pitchFamily="2" charset="-128"/>
                 <a:ea typeface="ニコモジ＋" panose="02000600000000000000" pitchFamily="2" charset="-128"/>
               </a:rPr>
-              <a:t>具材の種類（赤文字を優先）</a:t>
-            </a:r>
-            <a:endParaRPr lang="en-US" altLang="ja-JP" sz="2800" dirty="0" smtClean="0">
-              <a:solidFill>
-                <a:srgbClr val="FF0000"/>
-              </a:solidFill>
+              <a:t>具材の</a:t>
+            </a:r>
+            <a:r>
+              <a:rPr kumimoji="1" lang="ja-JP" altLang="en-US" sz="2800" dirty="0" smtClean="0">
+                <a:latin typeface="ニコモジ＋" panose="02000600000000000000" pitchFamily="2" charset="-128"/>
+                <a:ea typeface="ニコモジ＋" panose="02000600000000000000" pitchFamily="2" charset="-128"/>
+              </a:rPr>
+              <a:t>種類</a:t>
+            </a:r>
+            <a:endParaRPr kumimoji="1" lang="en-US" altLang="ja-JP" sz="2800" dirty="0" smtClean="0">
               <a:latin typeface="ニコモジ＋" panose="02000600000000000000" pitchFamily="2" charset="-128"/>
               <a:ea typeface="ニコモジ＋" panose="02000600000000000000" pitchFamily="2" charset="-128"/>
             </a:endParaRPr>
@@ -5566,18 +5570,12 @@
             </a:pPr>
             <a:r>
               <a:rPr lang="ja-JP" altLang="en-US" sz="2800" dirty="0" smtClean="0">
-                <a:solidFill>
-                  <a:srgbClr val="FF0000"/>
-                </a:solidFill>
                 <a:latin typeface="ニコモジ＋" panose="02000600000000000000" pitchFamily="2" charset="-128"/>
                 <a:ea typeface="ニコモジ＋" panose="02000600000000000000" pitchFamily="2" charset="-128"/>
               </a:rPr>
               <a:t>サラミ</a:t>
             </a:r>
-            <a:endParaRPr lang="en-US" altLang="ja-JP" sz="2800" dirty="0" smtClean="0">
-              <a:solidFill>
-                <a:srgbClr val="FF0000"/>
-              </a:solidFill>
+            <a:endParaRPr lang="en-US" altLang="ja-JP" sz="2800" dirty="0">
               <a:latin typeface="ニコモジ＋" panose="02000600000000000000" pitchFamily="2" charset="-128"/>
               <a:ea typeface="ニコモジ＋" panose="02000600000000000000" pitchFamily="2" charset="-128"/>
             </a:endParaRPr>
@@ -5588,19 +5586,13 @@
               <a:buChar char="•"/>
             </a:pPr>
             <a:r>
-              <a:rPr lang="ja-JP" altLang="en-US" sz="2800" dirty="0" smtClean="0">
-                <a:solidFill>
-                  <a:srgbClr val="FF0000"/>
-                </a:solidFill>
-                <a:latin typeface="ニコモジ＋" panose="02000600000000000000" pitchFamily="2" charset="-128"/>
-                <a:ea typeface="ニコモジ＋" panose="02000600000000000000" pitchFamily="2" charset="-128"/>
-              </a:rPr>
-              <a:t>スライストマト</a:t>
-            </a:r>
-            <a:endParaRPr lang="en-US" altLang="ja-JP" sz="2800" dirty="0" smtClean="0">
-              <a:solidFill>
-                <a:srgbClr val="FF0000"/>
-              </a:solidFill>
+              <a:rPr lang="ja-JP" altLang="en-US" sz="2800" dirty="0">
+                <a:latin typeface="ニコモジ＋" panose="02000600000000000000" pitchFamily="2" charset="-128"/>
+                <a:ea typeface="ニコモジ＋" panose="02000600000000000000" pitchFamily="2" charset="-128"/>
+              </a:rPr>
+              <a:t>バジル</a:t>
+            </a:r>
+            <a:endParaRPr lang="en-US" altLang="ja-JP" sz="2800" dirty="0">
               <a:latin typeface="ニコモジ＋" panose="02000600000000000000" pitchFamily="2" charset="-128"/>
               <a:ea typeface="ニコモジ＋" panose="02000600000000000000" pitchFamily="2" charset="-128"/>
             </a:endParaRPr>
@@ -5611,19 +5603,13 @@
               <a:buChar char="•"/>
             </a:pPr>
             <a:r>
-              <a:rPr lang="ja-JP" altLang="en-US" sz="2800" dirty="0" smtClean="0">
-                <a:solidFill>
-                  <a:srgbClr val="FF0000"/>
-                </a:solidFill>
-                <a:latin typeface="ニコモジ＋" panose="02000600000000000000" pitchFamily="2" charset="-128"/>
-                <a:ea typeface="ニコモジ＋" panose="02000600000000000000" pitchFamily="2" charset="-128"/>
-              </a:rPr>
-              <a:t>カットトマト</a:t>
-            </a:r>
-            <a:endParaRPr lang="en-US" altLang="ja-JP" sz="2800" dirty="0" smtClean="0">
-              <a:solidFill>
-                <a:srgbClr val="FF0000"/>
-              </a:solidFill>
+              <a:rPr lang="ja-JP" altLang="en-US" sz="2800" dirty="0">
+                <a:latin typeface="ニコモジ＋" panose="02000600000000000000" pitchFamily="2" charset="-128"/>
+                <a:ea typeface="ニコモジ＋" panose="02000600000000000000" pitchFamily="2" charset="-128"/>
+              </a:rPr>
+              <a:t>モッツァレラチーズ</a:t>
+            </a:r>
+            <a:endParaRPr lang="en-US" altLang="ja-JP" sz="2800" dirty="0">
               <a:latin typeface="ニコモジ＋" panose="02000600000000000000" pitchFamily="2" charset="-128"/>
               <a:ea typeface="ニコモジ＋" panose="02000600000000000000" pitchFamily="2" charset="-128"/>
             </a:endParaRPr>
@@ -5634,69 +5620,13 @@
               <a:buChar char="•"/>
             </a:pPr>
             <a:r>
-              <a:rPr lang="ja-JP" altLang="en-US" sz="2800" dirty="0" smtClean="0">
-                <a:solidFill>
-                  <a:srgbClr val="FF0000"/>
-                </a:solidFill>
-                <a:latin typeface="ニコモジ＋" panose="02000600000000000000" pitchFamily="2" charset="-128"/>
-                <a:ea typeface="ニコモジ＋" panose="02000600000000000000" pitchFamily="2" charset="-128"/>
-              </a:rPr>
-              <a:t>ミニ</a:t>
-            </a:r>
-            <a:r>
               <a:rPr lang="ja-JP" altLang="en-US" sz="2800" dirty="0">
-                <a:solidFill>
-                  <a:srgbClr val="FF0000"/>
-                </a:solidFill>
-                <a:latin typeface="ニコモジ＋" panose="02000600000000000000" pitchFamily="2" charset="-128"/>
-                <a:ea typeface="ニコモジ＋" panose="02000600000000000000" pitchFamily="2" charset="-128"/>
-              </a:rPr>
-              <a:t>トマト</a:t>
-            </a:r>
-            <a:r>
-              <a:rPr lang="ja-JP" altLang="en-US" sz="2800" dirty="0" smtClean="0">
-                <a:solidFill>
-                  <a:srgbClr val="FF0000"/>
-                </a:solidFill>
-                <a:latin typeface="ニコモジ＋" panose="02000600000000000000" pitchFamily="2" charset="-128"/>
-                <a:ea typeface="ニコモジ＋" panose="02000600000000000000" pitchFamily="2" charset="-128"/>
-              </a:rPr>
-              <a:t>を</a:t>
-            </a:r>
-            <a:r>
-              <a:rPr lang="ja-JP" altLang="en-US" sz="2800" dirty="0">
-                <a:solidFill>
-                  <a:srgbClr val="FF0000"/>
-                </a:solidFill>
-                <a:latin typeface="ニコモジ＋" panose="02000600000000000000" pitchFamily="2" charset="-128"/>
-                <a:ea typeface="ニコモジ＋" panose="02000600000000000000" pitchFamily="2" charset="-128"/>
-              </a:rPr>
-              <a:t>半分</a:t>
-            </a:r>
-            <a:r>
-              <a:rPr lang="ja-JP" altLang="en-US" sz="2800" dirty="0" smtClean="0">
-                <a:solidFill>
-                  <a:srgbClr val="FF0000"/>
-                </a:solidFill>
-                <a:latin typeface="ニコモジ＋" panose="02000600000000000000" pitchFamily="2" charset="-128"/>
-                <a:ea typeface="ニコモジ＋" panose="02000600000000000000" pitchFamily="2" charset="-128"/>
-              </a:rPr>
-              <a:t>にしたや</a:t>
-            </a:r>
-            <a:r>
-              <a:rPr lang="ja-JP" altLang="en-US" sz="2800" dirty="0">
-                <a:solidFill>
-                  <a:srgbClr val="FF0000"/>
-                </a:solidFill>
-                <a:latin typeface="ニコモジ＋" panose="02000600000000000000" pitchFamily="2" charset="-128"/>
-                <a:ea typeface="ニコモジ＋" panose="02000600000000000000" pitchFamily="2" charset="-128"/>
-              </a:rPr>
-              <a:t>つ</a:t>
-            </a:r>
-            <a:endParaRPr lang="en-US" altLang="ja-JP" sz="2800" dirty="0" smtClean="0">
-              <a:solidFill>
-                <a:srgbClr val="FF0000"/>
-              </a:solidFill>
+                <a:latin typeface="ニコモジ＋" panose="02000600000000000000" pitchFamily="2" charset="-128"/>
+                <a:ea typeface="ニコモジ＋" panose="02000600000000000000" pitchFamily="2" charset="-128"/>
+              </a:rPr>
+              <a:t>マッシュルーム</a:t>
+            </a:r>
+            <a:endParaRPr lang="en-US" altLang="ja-JP" sz="2800" dirty="0">
               <a:latin typeface="ニコモジ＋" panose="02000600000000000000" pitchFamily="2" charset="-128"/>
               <a:ea typeface="ニコモジ＋" panose="02000600000000000000" pitchFamily="2" charset="-128"/>
             </a:endParaRPr>
@@ -5707,227 +5637,13 @@
               <a:buChar char="•"/>
             </a:pPr>
             <a:r>
-              <a:rPr kumimoji="1" lang="ja-JP" altLang="en-US" sz="2800" dirty="0" smtClean="0">
-                <a:solidFill>
-                  <a:srgbClr val="FF0000"/>
-                </a:solidFill>
-                <a:latin typeface="ニコモジ＋" panose="02000600000000000000" pitchFamily="2" charset="-128"/>
-                <a:ea typeface="ニコモジ＋" panose="02000600000000000000" pitchFamily="2" charset="-128"/>
-              </a:rPr>
-              <a:t>チキン</a:t>
-            </a:r>
-            <a:endParaRPr kumimoji="1" lang="en-US" altLang="ja-JP" sz="2800" dirty="0" smtClean="0">
-              <a:solidFill>
-                <a:srgbClr val="FF0000"/>
-              </a:solidFill>
-              <a:latin typeface="ニコモジ＋" panose="02000600000000000000" pitchFamily="2" charset="-128"/>
-              <a:ea typeface="ニコモジ＋" panose="02000600000000000000" pitchFamily="2" charset="-128"/>
-            </a:endParaRPr>
-          </a:p>
-          <a:p>
-            <a:pPr marL="457200" indent="-457200">
-              <a:buFont typeface="Arial" panose="020B0604020202020204" pitchFamily="34" charset="0"/>
-              <a:buChar char="•"/>
-            </a:pPr>
-            <a:r>
-              <a:rPr lang="ja-JP" altLang="en-US" sz="2800" dirty="0" smtClean="0">
-                <a:solidFill>
-                  <a:srgbClr val="FF0000"/>
-                </a:solidFill>
-                <a:latin typeface="ニコモジ＋" panose="02000600000000000000" pitchFamily="2" charset="-128"/>
-                <a:ea typeface="ニコモジ＋" panose="02000600000000000000" pitchFamily="2" charset="-128"/>
-              </a:rPr>
-              <a:t>ソーセージ</a:t>
-            </a:r>
-            <a:endParaRPr lang="en-US" altLang="ja-JP" sz="2800" dirty="0" smtClean="0">
-              <a:solidFill>
-                <a:srgbClr val="FF0000"/>
-              </a:solidFill>
-              <a:latin typeface="ニコモジ＋" panose="02000600000000000000" pitchFamily="2" charset="-128"/>
-              <a:ea typeface="ニコモジ＋" panose="02000600000000000000" pitchFamily="2" charset="-128"/>
-            </a:endParaRPr>
-          </a:p>
-          <a:p>
-            <a:pPr marL="457200" indent="-457200">
-              <a:buFont typeface="Arial" panose="020B0604020202020204" pitchFamily="34" charset="0"/>
-              <a:buChar char="•"/>
-            </a:pPr>
-            <a:r>
-              <a:rPr lang="ja-JP" altLang="en-US" sz="2800" dirty="0" smtClean="0">
-                <a:solidFill>
-                  <a:srgbClr val="FF0000"/>
-                </a:solidFill>
-                <a:latin typeface="ニコモジ＋" panose="02000600000000000000" pitchFamily="2" charset="-128"/>
-                <a:ea typeface="ニコモジ＋" panose="02000600000000000000" pitchFamily="2" charset="-128"/>
-              </a:rPr>
-              <a:t>ベーコン</a:t>
-            </a:r>
-            <a:endParaRPr lang="en-US" altLang="ja-JP" sz="2800" dirty="0" smtClean="0">
-              <a:solidFill>
-                <a:srgbClr val="FF0000"/>
-              </a:solidFill>
-              <a:latin typeface="ニコモジ＋" panose="02000600000000000000" pitchFamily="2" charset="-128"/>
-              <a:ea typeface="ニコモジ＋" panose="02000600000000000000" pitchFamily="2" charset="-128"/>
-            </a:endParaRPr>
-          </a:p>
-          <a:p>
-            <a:pPr marL="457200" indent="-457200">
-              <a:buFont typeface="Arial" panose="020B0604020202020204" pitchFamily="34" charset="0"/>
-              <a:buChar char="•"/>
-            </a:pPr>
-            <a:r>
-              <a:rPr lang="ja-JP" altLang="en-US" sz="2800" dirty="0" smtClean="0">
-                <a:solidFill>
-                  <a:srgbClr val="FF0000"/>
-                </a:solidFill>
-                <a:latin typeface="ニコモジ＋" panose="02000600000000000000" pitchFamily="2" charset="-128"/>
-                <a:ea typeface="ニコモジ＋" panose="02000600000000000000" pitchFamily="2" charset="-128"/>
-              </a:rPr>
-              <a:t>バジル</a:t>
+              <a:rPr lang="ja-JP" altLang="en-US" sz="2800" dirty="0">
+                <a:latin typeface="ニコモジ＋" panose="02000600000000000000" pitchFamily="2" charset="-128"/>
+                <a:ea typeface="ニコモジ＋" panose="02000600000000000000" pitchFamily="2" charset="-128"/>
+              </a:rPr>
+              <a:t>トマト</a:t>
             </a:r>
             <a:endParaRPr lang="en-US" altLang="ja-JP" sz="2800" dirty="0">
-              <a:solidFill>
-                <a:srgbClr val="FF0000"/>
-              </a:solidFill>
-              <a:latin typeface="ニコモジ＋" panose="02000600000000000000" pitchFamily="2" charset="-128"/>
-              <a:ea typeface="ニコモジ＋" panose="02000600000000000000" pitchFamily="2" charset="-128"/>
-            </a:endParaRPr>
-          </a:p>
-        </p:txBody>
-      </p:sp>
-      <p:sp>
-        <p:nvSpPr>
-          <p:cNvPr id="9" name="正方形/長方形 8"/>
-          <p:cNvSpPr/>
-          <p:nvPr/>
-        </p:nvSpPr>
-        <p:spPr>
-          <a:xfrm>
-            <a:off x="5951831" y="1608997"/>
-            <a:ext cx="7686677" cy="2677656"/>
-          </a:xfrm>
-          <a:prstGeom prst="rect">
-            <a:avLst/>
-          </a:prstGeom>
-        </p:spPr>
-        <p:txBody>
-          <a:bodyPr wrap="square">
-            <a:spAutoFit/>
-          </a:bodyPr>
-          <a:lstStyle/>
-          <a:p>
-            <a:pPr marL="457200" indent="-457200">
-              <a:buFont typeface="Arial" panose="020B0604020202020204" pitchFamily="34" charset="0"/>
-              <a:buChar char="•"/>
-            </a:pPr>
-            <a:r>
-              <a:rPr lang="ja-JP" altLang="en-US" sz="2800" dirty="0" smtClean="0">
-                <a:latin typeface="ニコモジ＋" panose="02000600000000000000" pitchFamily="2" charset="-128"/>
-                <a:ea typeface="ニコモジ＋" panose="02000600000000000000" pitchFamily="2" charset="-128"/>
-              </a:rPr>
-              <a:t>チェダーチーズ</a:t>
-            </a:r>
-            <a:endParaRPr lang="en-US" altLang="ja-JP" sz="2800" dirty="0">
-              <a:solidFill>
-                <a:prstClr val="black"/>
-              </a:solidFill>
-              <a:latin typeface="ニコモジ＋" panose="02000600000000000000" pitchFamily="2" charset="-128"/>
-              <a:ea typeface="ニコモジ＋" panose="02000600000000000000" pitchFamily="2" charset="-128"/>
-            </a:endParaRPr>
-          </a:p>
-          <a:p>
-            <a:pPr marL="457200" lvl="0" indent="-457200">
-              <a:buFont typeface="Arial" panose="020B0604020202020204" pitchFamily="34" charset="0"/>
-              <a:buChar char="•"/>
-            </a:pPr>
-            <a:r>
-              <a:rPr lang="ja-JP" altLang="en-US" sz="2800" dirty="0">
-                <a:solidFill>
-                  <a:prstClr val="black"/>
-                </a:solidFill>
-                <a:latin typeface="ニコモジ＋" panose="02000600000000000000" pitchFamily="2" charset="-128"/>
-                <a:ea typeface="ニコモジ＋" panose="02000600000000000000" pitchFamily="2" charset="-128"/>
-              </a:rPr>
-              <a:t>えび</a:t>
-            </a:r>
-            <a:endParaRPr lang="en-US" altLang="ja-JP" sz="2800" dirty="0">
-              <a:solidFill>
-                <a:prstClr val="black"/>
-              </a:solidFill>
-              <a:latin typeface="ニコモジ＋" panose="02000600000000000000" pitchFamily="2" charset="-128"/>
-              <a:ea typeface="ニコモジ＋" panose="02000600000000000000" pitchFamily="2" charset="-128"/>
-            </a:endParaRPr>
-          </a:p>
-          <a:p>
-            <a:pPr marL="457200" lvl="0" indent="-457200">
-              <a:buFont typeface="Arial" panose="020B0604020202020204" pitchFamily="34" charset="0"/>
-              <a:buChar char="•"/>
-            </a:pPr>
-            <a:r>
-              <a:rPr lang="ja-JP" altLang="en-US" sz="2800" dirty="0">
-                <a:solidFill>
-                  <a:prstClr val="black"/>
-                </a:solidFill>
-                <a:latin typeface="ニコモジ＋" panose="02000600000000000000" pitchFamily="2" charset="-128"/>
-                <a:ea typeface="ニコモジ＋" panose="02000600000000000000" pitchFamily="2" charset="-128"/>
-              </a:rPr>
-              <a:t>ほたて</a:t>
-            </a:r>
-            <a:endParaRPr lang="en-US" altLang="ja-JP" sz="2800" dirty="0">
-              <a:solidFill>
-                <a:prstClr val="black"/>
-              </a:solidFill>
-              <a:latin typeface="ニコモジ＋" panose="02000600000000000000" pitchFamily="2" charset="-128"/>
-              <a:ea typeface="ニコモジ＋" panose="02000600000000000000" pitchFamily="2" charset="-128"/>
-            </a:endParaRPr>
-          </a:p>
-          <a:p>
-            <a:pPr marL="457200" indent="-457200">
-              <a:buFont typeface="Arial" panose="020B0604020202020204" pitchFamily="34" charset="0"/>
-              <a:buChar char="•"/>
-            </a:pPr>
-            <a:r>
-              <a:rPr lang="ja-JP" altLang="en-US" sz="2800" dirty="0" smtClean="0">
-                <a:latin typeface="ニコモジ＋" panose="02000600000000000000" pitchFamily="2" charset="-128"/>
-                <a:ea typeface="ニコモジ＋" panose="02000600000000000000" pitchFamily="2" charset="-128"/>
-              </a:rPr>
-              <a:t>パイナップル</a:t>
-            </a:r>
-            <a:endParaRPr lang="en-US" altLang="ja-JP" sz="2800" dirty="0" smtClean="0">
-              <a:latin typeface="ニコモジ＋" panose="02000600000000000000" pitchFamily="2" charset="-128"/>
-              <a:ea typeface="ニコモジ＋" panose="02000600000000000000" pitchFamily="2" charset="-128"/>
-            </a:endParaRPr>
-          </a:p>
-          <a:p>
-            <a:pPr marL="457200" indent="-457200">
-              <a:buFont typeface="Arial" panose="020B0604020202020204" pitchFamily="34" charset="0"/>
-              <a:buChar char="•"/>
-            </a:pPr>
-            <a:r>
-              <a:rPr lang="ja-JP" altLang="en-US" sz="2800" dirty="0">
-                <a:latin typeface="ニコモジ＋" panose="02000600000000000000" pitchFamily="2" charset="-128"/>
-                <a:ea typeface="ニコモジ＋" panose="02000600000000000000" pitchFamily="2" charset="-128"/>
-              </a:rPr>
-              <a:t>ナス</a:t>
-            </a:r>
-            <a:endParaRPr lang="en-US" altLang="ja-JP" sz="2800" dirty="0">
-              <a:latin typeface="ニコモジ＋" panose="02000600000000000000" pitchFamily="2" charset="-128"/>
-              <a:ea typeface="ニコモジ＋" panose="02000600000000000000" pitchFamily="2" charset="-128"/>
-            </a:endParaRPr>
-          </a:p>
-          <a:p>
-            <a:pPr marL="457200" indent="-457200">
-              <a:buFont typeface="Arial" panose="020B0604020202020204" pitchFamily="34" charset="0"/>
-              <a:buChar char="•"/>
-            </a:pPr>
-            <a:r>
-              <a:rPr lang="ja-JP" altLang="en-US" sz="2800" dirty="0" smtClean="0">
-                <a:latin typeface="ニコモジ＋" panose="02000600000000000000" pitchFamily="2" charset="-128"/>
-                <a:ea typeface="ニコモジ＋" panose="02000600000000000000" pitchFamily="2" charset="-128"/>
-              </a:rPr>
-              <a:t>しいたけ</a:t>
-            </a:r>
-            <a:endParaRPr lang="en-US" altLang="ja-JP" sz="2800" dirty="0" smtClean="0">
               <a:latin typeface="ニコモジ＋" panose="02000600000000000000" pitchFamily="2" charset="-128"/>
               <a:ea typeface="ニコモジ＋" panose="02000600000000000000" pitchFamily="2" charset="-128"/>
             </a:endParaRPr>
@@ -5971,84 +5687,6 @@
           </a:p>
         </p:txBody>
       </p:sp>
-      <p:pic>
-        <p:nvPicPr>
-          <p:cNvPr id="6146" name="Picture 2" descr="なすのマルゲリータピザ おすすめレシピ｜マルエツ"/>
-          <p:cNvPicPr>
-            <a:picLocks noChangeAspect="1" noChangeArrowheads="1"/>
-          </p:cNvPicPr>
-          <p:nvPr/>
-        </p:nvPicPr>
-        <p:blipFill rotWithShape="1">
-          <a:blip r:embed="rId2">
-            <a:extLst>
-              <a:ext uri="{28A0092B-C50C-407E-A947-70E740481C1C}">
-                <a14:useLocalDpi xmlns:a14="http://schemas.microsoft.com/office/drawing/2010/main" val="0"/>
-              </a:ext>
-            </a:extLst>
-          </a:blip>
-          <a:srcRect l="41104" t="50979" r="30636" b="16213"/>
-          <a:stretch/>
-        </p:blipFill>
-        <p:spPr bwMode="auto">
-          <a:xfrm>
-            <a:off x="8191499" y="3281764"/>
-            <a:ext cx="1019175" cy="819151"/>
-          </a:xfrm>
-          <a:prstGeom prst="rect">
-            <a:avLst/>
-          </a:prstGeom>
-          <a:noFill/>
-          <a:extLst>
-            <a:ext uri="{909E8E84-426E-40DD-AFC4-6F175D3DCCD1}">
-              <a14:hiddenFill xmlns:a14="http://schemas.microsoft.com/office/drawing/2010/main">
-                <a:solidFill>
-                  <a:srgbClr val="FFFFFF"/>
-                </a:solidFill>
-              </a14:hiddenFill>
-            </a:ext>
-          </a:extLst>
-        </p:spPr>
-      </p:pic>
-      <p:pic>
-        <p:nvPicPr>
-          <p:cNvPr id="6148" name="Picture 4" descr="発酵なし！スピードピザ生地で大葉とホタテの北海道ピザ♪ - ふぁそらキッチン"/>
-          <p:cNvPicPr>
-            <a:picLocks noChangeAspect="1" noChangeArrowheads="1"/>
-          </p:cNvPicPr>
-          <p:nvPr/>
-        </p:nvPicPr>
-        <p:blipFill rotWithShape="1">
-          <a:blip r:embed="rId3">
-            <a:extLst>
-              <a:ext uri="{28A0092B-C50C-407E-A947-70E740481C1C}">
-                <a14:useLocalDpi xmlns:a14="http://schemas.microsoft.com/office/drawing/2010/main" val="0"/>
-              </a:ext>
-            </a:extLst>
-          </a:blip>
-          <a:srcRect l="60037" t="71572" r="30026" b="16345"/>
-          <a:stretch/>
-        </p:blipFill>
-        <p:spPr bwMode="auto">
-          <a:xfrm>
-            <a:off x="8177212" y="2409461"/>
-            <a:ext cx="876300" cy="800100"/>
-          </a:xfrm>
-          <a:prstGeom prst="rect">
-            <a:avLst/>
-          </a:prstGeom>
-          <a:noFill/>
-          <a:extLst>
-            <a:ext uri="{909E8E84-426E-40DD-AFC4-6F175D3DCCD1}">
-              <a14:hiddenFill xmlns:a14="http://schemas.microsoft.com/office/drawing/2010/main">
-                <a:solidFill>
-                  <a:srgbClr val="FFFFFF"/>
-                </a:solidFill>
-              </a14:hiddenFill>
-            </a:ext>
-          </a:extLst>
-        </p:spPr>
-      </p:pic>
     </p:spTree>
     <p:extLst>
       <p:ext uri="{BB962C8B-B14F-4D97-AF65-F5344CB8AC3E}">
@@ -23241,14 +22879,7 @@
                 <a:latin typeface="ニコモジ＋" panose="02000600000000000000" pitchFamily="2" charset="-128"/>
                 <a:ea typeface="ニコモジ＋" panose="02000600000000000000" pitchFamily="2" charset="-128"/>
               </a:rPr>
-              <a:t>具材の</a:t>
-            </a:r>
-            <a:r>
-              <a:rPr kumimoji="1" lang="ja-JP" altLang="en-US" sz="2800" dirty="0" smtClean="0">
-                <a:latin typeface="ニコモジ＋" panose="02000600000000000000" pitchFamily="2" charset="-128"/>
-                <a:ea typeface="ニコモジ＋" panose="02000600000000000000" pitchFamily="2" charset="-128"/>
-              </a:rPr>
-              <a:t>種類</a:t>
+              <a:t>具材の種類</a:t>
             </a:r>
             <a:endParaRPr kumimoji="1" lang="en-US" altLang="ja-JP" sz="2800" dirty="0" smtClean="0">
               <a:latin typeface="ニコモジ＋" panose="02000600000000000000" pitchFamily="2" charset="-128"/>

--- a/仕様書/仕様書.pptx
+++ b/仕様書/仕様書.pptx
@@ -5549,14 +5549,7 @@
                 <a:latin typeface="ニコモジ＋" panose="02000600000000000000" pitchFamily="2" charset="-128"/>
                 <a:ea typeface="ニコモジ＋" panose="02000600000000000000" pitchFamily="2" charset="-128"/>
               </a:rPr>
-              <a:t>具材の</a:t>
-            </a:r>
-            <a:r>
-              <a:rPr kumimoji="1" lang="ja-JP" altLang="en-US" sz="2800" dirty="0" smtClean="0">
-                <a:latin typeface="ニコモジ＋" panose="02000600000000000000" pitchFamily="2" charset="-128"/>
-                <a:ea typeface="ニコモジ＋" panose="02000600000000000000" pitchFamily="2" charset="-128"/>
-              </a:rPr>
-              <a:t>種類</a:t>
+              <a:t>具材の種類</a:t>
             </a:r>
             <a:endParaRPr kumimoji="1" lang="en-US" altLang="ja-JP" sz="2800" dirty="0" smtClean="0">
               <a:latin typeface="ニコモジ＋" panose="02000600000000000000" pitchFamily="2" charset="-128"/>
@@ -21374,7 +21367,7 @@
         <p:spPr>
           <a:xfrm>
             <a:off x="425450" y="1335315"/>
-            <a:ext cx="3371850" cy="2585323"/>
+            <a:ext cx="4725054" cy="3970318"/>
           </a:xfrm>
           <a:prstGeom prst="rect">
             <a:avLst/>
@@ -21392,27 +21385,27 @@
               <a:buChar char="•"/>
             </a:pPr>
             <a:r>
-              <a:rPr lang="ja-JP" altLang="en-US" dirty="0" smtClean="0">
+              <a:rPr lang="ja-JP" altLang="en-US" sz="2800" dirty="0" smtClean="0">
                 <a:latin typeface="ニコモジ＋" panose="02000600000000000000" pitchFamily="2" charset="-128"/>
                 <a:ea typeface="ニコモジ＋" panose="02000600000000000000" pitchFamily="2" charset="-128"/>
               </a:rPr>
               <a:t>パルマ</a:t>
             </a:r>
-            <a:endParaRPr lang="ja-JP" altLang="en-US" dirty="0">
-              <a:latin typeface="ニコモジ＋" panose="02000600000000000000" pitchFamily="2" charset="-128"/>
-              <a:ea typeface="ニコモジ＋" panose="02000600000000000000" pitchFamily="2" charset="-128"/>
-            </a:endParaRPr>
-          </a:p>
-          <a:p>
-            <a:r>
-              <a:rPr lang="ja-JP" altLang="en-US" dirty="0" smtClean="0">
+            <a:endParaRPr lang="ja-JP" altLang="en-US" sz="2800" dirty="0">
+              <a:latin typeface="ニコモジ＋" panose="02000600000000000000" pitchFamily="2" charset="-128"/>
+              <a:ea typeface="ニコモジ＋" panose="02000600000000000000" pitchFamily="2" charset="-128"/>
+            </a:endParaRPr>
+          </a:p>
+          <a:p>
+            <a:r>
+              <a:rPr lang="ja-JP" altLang="en-US" sz="2800" dirty="0" smtClean="0">
                 <a:latin typeface="ニコモジ＋" panose="02000600000000000000" pitchFamily="2" charset="-128"/>
                 <a:ea typeface="ニコモジ＋" panose="02000600000000000000" pitchFamily="2" charset="-128"/>
               </a:rPr>
               <a:t>　</a:t>
             </a:r>
             <a:r>
-              <a:rPr lang="ja-JP" altLang="en-US" dirty="0" smtClean="0">
+              <a:rPr lang="ja-JP" altLang="en-US" sz="2800" dirty="0" smtClean="0">
                 <a:solidFill>
                   <a:srgbClr val="FF0000"/>
                 </a:solidFill>
@@ -21422,21 +21415,21 @@
               <a:t>サラミ</a:t>
             </a:r>
             <a:r>
-              <a:rPr lang="en-US" altLang="ja-JP" dirty="0" smtClean="0">
+              <a:rPr lang="en-US" altLang="ja-JP" sz="2800" dirty="0" smtClean="0">
                 <a:latin typeface="ニコモジ＋" panose="02000600000000000000" pitchFamily="2" charset="-128"/>
                 <a:ea typeface="ニコモジ＋" panose="02000600000000000000" pitchFamily="2" charset="-128"/>
               </a:rPr>
               <a:t>3</a:t>
             </a:r>
             <a:r>
-              <a:rPr lang="ja-JP" altLang="en-US" dirty="0" err="1" smtClean="0">
+              <a:rPr lang="ja-JP" altLang="en-US" sz="2800" dirty="0" err="1" smtClean="0">
                 <a:latin typeface="ニコモジ＋" panose="02000600000000000000" pitchFamily="2" charset="-128"/>
                 <a:ea typeface="ニコモジ＋" panose="02000600000000000000" pitchFamily="2" charset="-128"/>
               </a:rPr>
               <a:t>、</a:t>
             </a:r>
             <a:r>
-              <a:rPr lang="ja-JP" altLang="en-US" dirty="0" smtClean="0">
+              <a:rPr lang="ja-JP" altLang="en-US" sz="2800" dirty="0" smtClean="0">
                 <a:solidFill>
                   <a:schemeClr val="accent6"/>
                 </a:solidFill>
@@ -21446,21 +21439,21 @@
               <a:t>バジル</a:t>
             </a:r>
             <a:r>
-              <a:rPr lang="en-US" altLang="ja-JP" dirty="0" smtClean="0">
+              <a:rPr lang="en-US" altLang="ja-JP" sz="2800" dirty="0" smtClean="0">
                 <a:latin typeface="ニコモジ＋" panose="02000600000000000000" pitchFamily="2" charset="-128"/>
                 <a:ea typeface="ニコモジ＋" panose="02000600000000000000" pitchFamily="2" charset="-128"/>
               </a:rPr>
               <a:t>2</a:t>
             </a:r>
             <a:r>
-              <a:rPr lang="ja-JP" altLang="en-US" dirty="0" err="1" smtClean="0">
+              <a:rPr lang="ja-JP" altLang="en-US" sz="2800" dirty="0" err="1" smtClean="0">
                 <a:latin typeface="ニコモジ＋" panose="02000600000000000000" pitchFamily="2" charset="-128"/>
                 <a:ea typeface="ニコモジ＋" panose="02000600000000000000" pitchFamily="2" charset="-128"/>
               </a:rPr>
               <a:t>、</a:t>
             </a:r>
             <a:r>
-              <a:rPr lang="ja-JP" altLang="en-US" dirty="0" smtClean="0">
+              <a:rPr lang="ja-JP" altLang="en-US" sz="2800" dirty="0" smtClean="0">
                 <a:solidFill>
                   <a:schemeClr val="accent4"/>
                 </a:solidFill>
@@ -21470,13 +21463,13 @@
               <a:t>チーズ</a:t>
             </a:r>
             <a:r>
-              <a:rPr lang="en-US" altLang="ja-JP" dirty="0" smtClean="0">
+              <a:rPr lang="en-US" altLang="ja-JP" sz="2800" dirty="0" smtClean="0">
                 <a:latin typeface="ニコモジ＋" panose="02000600000000000000" pitchFamily="2" charset="-128"/>
                 <a:ea typeface="ニコモジ＋" panose="02000600000000000000" pitchFamily="2" charset="-128"/>
               </a:rPr>
               <a:t>1</a:t>
             </a:r>
-            <a:endParaRPr lang="en-US" altLang="ja-JP" dirty="0">
+            <a:endParaRPr lang="en-US" altLang="ja-JP" sz="2800" dirty="0">
               <a:latin typeface="ニコモジ＋" panose="02000600000000000000" pitchFamily="2" charset="-128"/>
               <a:ea typeface="ニコモジ＋" panose="02000600000000000000" pitchFamily="2" charset="-128"/>
             </a:endParaRPr>
@@ -21487,7 +21480,7 @@
               <a:buChar char="•"/>
             </a:pPr>
             <a:r>
-              <a:rPr lang="ja-JP" altLang="en-US" dirty="0">
+              <a:rPr lang="ja-JP" altLang="en-US" sz="2800" dirty="0">
                 <a:latin typeface="ニコモジ＋" panose="02000600000000000000" pitchFamily="2" charset="-128"/>
                 <a:ea typeface="ニコモジ＋" panose="02000600000000000000" pitchFamily="2" charset="-128"/>
               </a:rPr>
@@ -21496,14 +21489,14 @@
           </a:p>
           <a:p>
             <a:r>
-              <a:rPr lang="ja-JP" altLang="en-US" dirty="0" smtClean="0">
+              <a:rPr lang="ja-JP" altLang="en-US" sz="2800" dirty="0" smtClean="0">
                 <a:latin typeface="ニコモジ＋" panose="02000600000000000000" pitchFamily="2" charset="-128"/>
                 <a:ea typeface="ニコモジ＋" panose="02000600000000000000" pitchFamily="2" charset="-128"/>
               </a:rPr>
               <a:t>　</a:t>
             </a:r>
             <a:r>
-              <a:rPr lang="ja-JP" altLang="en-US" dirty="0" smtClean="0">
+              <a:rPr lang="ja-JP" altLang="en-US" sz="2800" dirty="0" smtClean="0">
                 <a:solidFill>
                   <a:srgbClr val="FF0000"/>
                 </a:solidFill>
@@ -21513,21 +21506,21 @@
               <a:t>トマト</a:t>
             </a:r>
             <a:r>
-              <a:rPr lang="en-US" altLang="ja-JP" dirty="0" smtClean="0">
+              <a:rPr lang="en-US" altLang="ja-JP" sz="2800" dirty="0" smtClean="0">
                 <a:latin typeface="ニコモジ＋" panose="02000600000000000000" pitchFamily="2" charset="-128"/>
                 <a:ea typeface="ニコモジ＋" panose="02000600000000000000" pitchFamily="2" charset="-128"/>
               </a:rPr>
               <a:t>3</a:t>
             </a:r>
             <a:r>
-              <a:rPr lang="ja-JP" altLang="en-US" dirty="0" err="1" smtClean="0">
+              <a:rPr lang="ja-JP" altLang="en-US" sz="2800" dirty="0" err="1" smtClean="0">
                 <a:latin typeface="ニコモジ＋" panose="02000600000000000000" pitchFamily="2" charset="-128"/>
                 <a:ea typeface="ニコモジ＋" panose="02000600000000000000" pitchFamily="2" charset="-128"/>
               </a:rPr>
               <a:t>、</a:t>
             </a:r>
             <a:r>
-              <a:rPr lang="ja-JP" altLang="en-US" dirty="0">
+              <a:rPr lang="ja-JP" altLang="en-US" sz="2800" dirty="0">
                 <a:solidFill>
                   <a:schemeClr val="accent4"/>
                 </a:solidFill>
@@ -21537,21 +21530,21 @@
               <a:t>チーズ</a:t>
             </a:r>
             <a:r>
-              <a:rPr lang="en-US" altLang="ja-JP" dirty="0" smtClean="0">
+              <a:rPr lang="en-US" altLang="ja-JP" sz="2800" dirty="0" smtClean="0">
                 <a:latin typeface="ニコモジ＋" panose="02000600000000000000" pitchFamily="2" charset="-128"/>
                 <a:ea typeface="ニコモジ＋" panose="02000600000000000000" pitchFamily="2" charset="-128"/>
               </a:rPr>
               <a:t>2</a:t>
             </a:r>
             <a:r>
-              <a:rPr lang="ja-JP" altLang="en-US" dirty="0" err="1" smtClean="0">
+              <a:rPr lang="ja-JP" altLang="en-US" sz="2800" dirty="0" err="1" smtClean="0">
                 <a:latin typeface="ニコモジ＋" panose="02000600000000000000" pitchFamily="2" charset="-128"/>
                 <a:ea typeface="ニコモジ＋" panose="02000600000000000000" pitchFamily="2" charset="-128"/>
               </a:rPr>
               <a:t>、</a:t>
             </a:r>
             <a:r>
-              <a:rPr lang="ja-JP" altLang="en-US" dirty="0">
+              <a:rPr lang="ja-JP" altLang="en-US" sz="2800" dirty="0">
                 <a:solidFill>
                   <a:schemeClr val="accent6"/>
                 </a:solidFill>
@@ -21561,13 +21554,13 @@
               <a:t>バジル</a:t>
             </a:r>
             <a:r>
-              <a:rPr lang="en-US" altLang="ja-JP" dirty="0" smtClean="0">
+              <a:rPr lang="en-US" altLang="ja-JP" sz="2800" dirty="0" smtClean="0">
                 <a:latin typeface="ニコモジ＋" panose="02000600000000000000" pitchFamily="2" charset="-128"/>
                 <a:ea typeface="ニコモジ＋" panose="02000600000000000000" pitchFamily="2" charset="-128"/>
               </a:rPr>
               <a:t>1</a:t>
             </a:r>
-            <a:endParaRPr lang="en-US" altLang="ja-JP" dirty="0">
+            <a:endParaRPr lang="en-US" altLang="ja-JP" sz="2800" dirty="0">
               <a:latin typeface="ニコモジ＋" panose="02000600000000000000" pitchFamily="2" charset="-128"/>
               <a:ea typeface="ニコモジ＋" panose="02000600000000000000" pitchFamily="2" charset="-128"/>
             </a:endParaRPr>
@@ -21577,7 +21570,7 @@
               <a:buFont typeface="Arial" panose="020B0604020202020204" pitchFamily="34" charset="0"/>
               <a:buChar char="•"/>
             </a:pPr>
-            <a:endParaRPr lang="en-US" altLang="ja-JP" dirty="0">
+            <a:endParaRPr lang="en-US" altLang="ja-JP" sz="2800" dirty="0">
               <a:latin typeface="ニコモジ＋" panose="02000600000000000000" pitchFamily="2" charset="-128"/>
               <a:ea typeface="ニコモジ＋" panose="02000600000000000000" pitchFamily="2" charset="-128"/>
             </a:endParaRPr>
@@ -21588,7 +21581,7 @@
               <a:buChar char="•"/>
             </a:pPr>
             <a:r>
-              <a:rPr lang="ja-JP" altLang="en-US" dirty="0">
+              <a:rPr lang="ja-JP" altLang="en-US" sz="2800" dirty="0">
                 <a:latin typeface="ニコモジ＋" panose="02000600000000000000" pitchFamily="2" charset="-128"/>
                 <a:ea typeface="ニコモジ＋" panose="02000600000000000000" pitchFamily="2" charset="-128"/>
               </a:rPr>
@@ -21597,14 +21590,14 @@
           </a:p>
           <a:p>
             <a:r>
-              <a:rPr lang="ja-JP" altLang="en-US" dirty="0" smtClean="0">
+              <a:rPr lang="ja-JP" altLang="en-US" sz="2800" dirty="0" smtClean="0">
                 <a:latin typeface="ニコモジ＋" panose="02000600000000000000" pitchFamily="2" charset="-128"/>
                 <a:ea typeface="ニコモジ＋" panose="02000600000000000000" pitchFamily="2" charset="-128"/>
               </a:rPr>
               <a:t>　</a:t>
             </a:r>
             <a:r>
-              <a:rPr lang="ja-JP" altLang="en-US" dirty="0">
+              <a:rPr lang="ja-JP" altLang="en-US" sz="2800" dirty="0">
                 <a:solidFill>
                   <a:srgbClr val="FF0000"/>
                 </a:solidFill>
@@ -21614,21 +21607,21 @@
               <a:t>トマト</a:t>
             </a:r>
             <a:r>
-              <a:rPr lang="en-US" altLang="ja-JP" dirty="0" smtClean="0">
+              <a:rPr lang="en-US" altLang="ja-JP" sz="2800" dirty="0" smtClean="0">
                 <a:latin typeface="ニコモジ＋" panose="02000600000000000000" pitchFamily="2" charset="-128"/>
                 <a:ea typeface="ニコモジ＋" panose="02000600000000000000" pitchFamily="2" charset="-128"/>
               </a:rPr>
               <a:t>1</a:t>
             </a:r>
             <a:r>
-              <a:rPr lang="ja-JP" altLang="en-US" dirty="0" err="1" smtClean="0">
+              <a:rPr lang="ja-JP" altLang="en-US" sz="2800" dirty="0" err="1" smtClean="0">
                 <a:latin typeface="ニコモジ＋" panose="02000600000000000000" pitchFamily="2" charset="-128"/>
                 <a:ea typeface="ニコモジ＋" panose="02000600000000000000" pitchFamily="2" charset="-128"/>
               </a:rPr>
               <a:t>、</a:t>
             </a:r>
             <a:r>
-              <a:rPr lang="ja-JP" altLang="en-US" dirty="0">
+              <a:rPr lang="ja-JP" altLang="en-US" sz="2800" dirty="0">
                 <a:solidFill>
                   <a:schemeClr val="accent4"/>
                 </a:solidFill>
@@ -21638,13 +21631,13 @@
               <a:t>チーズ</a:t>
             </a:r>
             <a:r>
-              <a:rPr lang="en-US" altLang="ja-JP" dirty="0" smtClean="0">
+              <a:rPr lang="en-US" altLang="ja-JP" sz="2800" dirty="0" smtClean="0">
                 <a:latin typeface="ニコモジ＋" panose="02000600000000000000" pitchFamily="2" charset="-128"/>
                 <a:ea typeface="ニコモジ＋" panose="02000600000000000000" pitchFamily="2" charset="-128"/>
               </a:rPr>
               <a:t>4</a:t>
             </a:r>
-            <a:endParaRPr lang="en-US" altLang="ja-JP" dirty="0">
+            <a:endParaRPr lang="en-US" altLang="ja-JP" sz="2800" dirty="0">
               <a:latin typeface="ニコモジ＋" panose="02000600000000000000" pitchFamily="2" charset="-128"/>
               <a:ea typeface="ニコモジ＋" panose="02000600000000000000" pitchFamily="2" charset="-128"/>
             </a:endParaRPr>
@@ -21655,7 +21648,7 @@
               <a:buChar char="•"/>
             </a:pPr>
             <a:r>
-              <a:rPr lang="ja-JP" altLang="en-US" dirty="0">
+              <a:rPr lang="ja-JP" altLang="en-US" sz="2800" dirty="0">
                 <a:latin typeface="ニコモジ＋" panose="02000600000000000000" pitchFamily="2" charset="-128"/>
                 <a:ea typeface="ニコモジ＋" panose="02000600000000000000" pitchFamily="2" charset="-128"/>
               </a:rPr>
@@ -21664,14 +21657,14 @@
           </a:p>
           <a:p>
             <a:r>
-              <a:rPr lang="ja-JP" altLang="en-US" dirty="0" smtClean="0">
+              <a:rPr lang="ja-JP" altLang="en-US" sz="2800" dirty="0" smtClean="0">
                 <a:latin typeface="ニコモジ＋" panose="02000600000000000000" pitchFamily="2" charset="-128"/>
                 <a:ea typeface="ニコモジ＋" panose="02000600000000000000" pitchFamily="2" charset="-128"/>
               </a:rPr>
               <a:t>　</a:t>
             </a:r>
             <a:r>
-              <a:rPr lang="ja-JP" altLang="en-US" dirty="0">
+              <a:rPr lang="ja-JP" altLang="en-US" sz="2800" dirty="0">
                 <a:solidFill>
                   <a:srgbClr val="FF0000"/>
                 </a:solidFill>
@@ -21681,21 +21674,21 @@
               <a:t>サラミ</a:t>
             </a:r>
             <a:r>
-              <a:rPr lang="en-US" altLang="ja-JP" dirty="0" smtClean="0">
+              <a:rPr lang="en-US" altLang="ja-JP" sz="2800" dirty="0" smtClean="0">
                 <a:latin typeface="ニコモジ＋" panose="02000600000000000000" pitchFamily="2" charset="-128"/>
                 <a:ea typeface="ニコモジ＋" panose="02000600000000000000" pitchFamily="2" charset="-128"/>
               </a:rPr>
               <a:t>4</a:t>
             </a:r>
             <a:r>
-              <a:rPr lang="ja-JP" altLang="en-US" dirty="0" err="1" smtClean="0">
+              <a:rPr lang="ja-JP" altLang="en-US" sz="2800" dirty="0" err="1" smtClean="0">
                 <a:latin typeface="ニコモジ＋" panose="02000600000000000000" pitchFamily="2" charset="-128"/>
                 <a:ea typeface="ニコモジ＋" panose="02000600000000000000" pitchFamily="2" charset="-128"/>
               </a:rPr>
               <a:t>、</a:t>
             </a:r>
             <a:r>
-              <a:rPr lang="ja-JP" altLang="en-US" dirty="0">
+              <a:rPr lang="ja-JP" altLang="en-US" sz="2800" dirty="0">
                 <a:solidFill>
                   <a:srgbClr val="FF0000"/>
                 </a:solidFill>
@@ -21705,13 +21698,13 @@
               <a:t>トマト</a:t>
             </a:r>
             <a:r>
-              <a:rPr lang="en-US" altLang="ja-JP" dirty="0" smtClean="0">
+              <a:rPr lang="en-US" altLang="ja-JP" sz="2800" dirty="0" smtClean="0">
                 <a:latin typeface="ニコモジ＋" panose="02000600000000000000" pitchFamily="2" charset="-128"/>
                 <a:ea typeface="ニコモジ＋" panose="02000600000000000000" pitchFamily="2" charset="-128"/>
               </a:rPr>
               <a:t>1</a:t>
             </a:r>
-            <a:endParaRPr lang="en-US" altLang="ja-JP" dirty="0">
+            <a:endParaRPr lang="en-US" altLang="ja-JP" sz="2800" dirty="0">
               <a:latin typeface="ニコモジ＋" panose="02000600000000000000" pitchFamily="2" charset="-128"/>
               <a:ea typeface="ニコモジ＋" panose="02000600000000000000" pitchFamily="2" charset="-128"/>
             </a:endParaRPr>
@@ -21726,8 +21719,8 @@
         </p:nvSpPr>
         <p:spPr>
           <a:xfrm>
-            <a:off x="4269309" y="1335315"/>
-            <a:ext cx="4298950" cy="2862322"/>
+            <a:off x="5632494" y="1335315"/>
+            <a:ext cx="6024222" cy="4401205"/>
           </a:xfrm>
           <a:prstGeom prst="rect">
             <a:avLst/>
@@ -21745,28 +21738,28 @@
               <a:buChar char="•"/>
             </a:pPr>
             <a:r>
-              <a:rPr lang="ja-JP" altLang="en-US" dirty="0" smtClean="0">
+              <a:rPr lang="ja-JP" altLang="en-US" sz="2800" dirty="0" smtClean="0">
                 <a:latin typeface="ニコモジ＋" panose="02000600000000000000" pitchFamily="2" charset="-128"/>
                 <a:ea typeface="ニコモジ＋" panose="02000600000000000000" pitchFamily="2" charset="-128"/>
               </a:rPr>
               <a:t>ボスカイオーラ</a:t>
             </a:r>
             <a:r>
-              <a:rPr lang="en-US" altLang="ja-JP" dirty="0" smtClean="0">
+              <a:rPr lang="en-US" altLang="ja-JP" sz="2800" dirty="0" smtClean="0">
                 <a:latin typeface="ニコモジ＋" panose="02000600000000000000" pitchFamily="2" charset="-128"/>
                 <a:ea typeface="ニコモジ＋" panose="02000600000000000000" pitchFamily="2" charset="-128"/>
               </a:rPr>
               <a:t>(</a:t>
             </a:r>
             <a:r>
-              <a:rPr lang="ja-JP" altLang="en-US" dirty="0">
+              <a:rPr lang="ja-JP" altLang="en-US" sz="2800" dirty="0">
                 <a:latin typeface="ニコモジ＋" panose="02000600000000000000" pitchFamily="2" charset="-128"/>
                 <a:ea typeface="ニコモジ＋" panose="02000600000000000000" pitchFamily="2" charset="-128"/>
               </a:rPr>
               <a:t>キノコ</a:t>
             </a:r>
             <a:r>
-              <a:rPr lang="en-US" altLang="ja-JP" dirty="0">
+              <a:rPr lang="en-US" altLang="ja-JP" sz="2800" dirty="0">
                 <a:latin typeface="ニコモジ＋" panose="02000600000000000000" pitchFamily="2" charset="-128"/>
                 <a:ea typeface="ニコモジ＋" panose="02000600000000000000" pitchFamily="2" charset="-128"/>
               </a:rPr>
@@ -21775,14 +21768,14 @@
           </a:p>
           <a:p>
             <a:r>
-              <a:rPr lang="ja-JP" altLang="en-US" dirty="0">
+              <a:rPr lang="ja-JP" altLang="en-US" sz="2800" dirty="0">
                 <a:latin typeface="ニコモジ＋" panose="02000600000000000000" pitchFamily="2" charset="-128"/>
                 <a:ea typeface="ニコモジ＋" panose="02000600000000000000" pitchFamily="2" charset="-128"/>
               </a:rPr>
               <a:t>　</a:t>
             </a:r>
             <a:r>
-              <a:rPr lang="ja-JP" altLang="en-US" dirty="0" smtClean="0">
+              <a:rPr lang="ja-JP" altLang="en-US" sz="2800" dirty="0" smtClean="0">
                 <a:solidFill>
                   <a:schemeClr val="accent4"/>
                 </a:solidFill>
@@ -21792,21 +21785,21 @@
               <a:t>キノコ</a:t>
             </a:r>
             <a:r>
-              <a:rPr lang="en-US" altLang="ja-JP" dirty="0" smtClean="0">
+              <a:rPr lang="en-US" altLang="ja-JP" sz="2800" dirty="0" smtClean="0">
                 <a:latin typeface="ニコモジ＋" panose="02000600000000000000" pitchFamily="2" charset="-128"/>
                 <a:ea typeface="ニコモジ＋" panose="02000600000000000000" pitchFamily="2" charset="-128"/>
               </a:rPr>
               <a:t>3</a:t>
             </a:r>
             <a:r>
-              <a:rPr lang="ja-JP" altLang="en-US" dirty="0" err="1" smtClean="0">
+              <a:rPr lang="ja-JP" altLang="en-US" sz="2800" dirty="0" err="1" smtClean="0">
                 <a:latin typeface="ニコモジ＋" panose="02000600000000000000" pitchFamily="2" charset="-128"/>
                 <a:ea typeface="ニコモジ＋" panose="02000600000000000000" pitchFamily="2" charset="-128"/>
               </a:rPr>
               <a:t>、</a:t>
             </a:r>
             <a:r>
-              <a:rPr lang="ja-JP" altLang="en-US" dirty="0">
+              <a:rPr lang="ja-JP" altLang="en-US" sz="2800" dirty="0">
                 <a:solidFill>
                   <a:schemeClr val="accent4"/>
                 </a:solidFill>
@@ -21816,13 +21809,13 @@
               <a:t>チーズ</a:t>
             </a:r>
             <a:r>
-              <a:rPr lang="en-US" altLang="ja-JP" dirty="0" smtClean="0">
+              <a:rPr lang="en-US" altLang="ja-JP" sz="2800" dirty="0" smtClean="0">
                 <a:latin typeface="ニコモジ＋" panose="02000600000000000000" pitchFamily="2" charset="-128"/>
                 <a:ea typeface="ニコモジ＋" panose="02000600000000000000" pitchFamily="2" charset="-128"/>
               </a:rPr>
               <a:t>1</a:t>
             </a:r>
-            <a:endParaRPr lang="en-US" altLang="ja-JP" dirty="0">
+            <a:endParaRPr lang="en-US" altLang="ja-JP" sz="2800" dirty="0">
               <a:latin typeface="ニコモジ＋" panose="02000600000000000000" pitchFamily="2" charset="-128"/>
               <a:ea typeface="ニコモジ＋" panose="02000600000000000000" pitchFamily="2" charset="-128"/>
             </a:endParaRPr>
@@ -21833,28 +21826,28 @@
               <a:buChar char="•"/>
             </a:pPr>
             <a:r>
-              <a:rPr lang="ja-JP" altLang="en-US" dirty="0" smtClean="0">
+              <a:rPr lang="ja-JP" altLang="en-US" sz="2800" dirty="0" smtClean="0">
                 <a:latin typeface="ニコモジ＋" panose="02000600000000000000" pitchFamily="2" charset="-128"/>
                 <a:ea typeface="ニコモジ＋" panose="02000600000000000000" pitchFamily="2" charset="-128"/>
               </a:rPr>
               <a:t>オルトラーナ</a:t>
             </a:r>
             <a:r>
-              <a:rPr lang="en-US" altLang="ja-JP" dirty="0">
+              <a:rPr lang="en-US" altLang="ja-JP" sz="2800" dirty="0">
                 <a:latin typeface="ニコモジ＋" panose="02000600000000000000" pitchFamily="2" charset="-128"/>
                 <a:ea typeface="ニコモジ＋" panose="02000600000000000000" pitchFamily="2" charset="-128"/>
               </a:rPr>
               <a:t>(</a:t>
             </a:r>
             <a:r>
-              <a:rPr lang="ja-JP" altLang="en-US" dirty="0">
+              <a:rPr lang="ja-JP" altLang="en-US" sz="2800" dirty="0">
                 <a:latin typeface="ニコモジ＋" panose="02000600000000000000" pitchFamily="2" charset="-128"/>
                 <a:ea typeface="ニコモジ＋" panose="02000600000000000000" pitchFamily="2" charset="-128"/>
               </a:rPr>
               <a:t>野菜たっぷり</a:t>
             </a:r>
             <a:r>
-              <a:rPr lang="en-US" altLang="ja-JP" dirty="0">
+              <a:rPr lang="en-US" altLang="ja-JP" sz="2800" dirty="0">
                 <a:latin typeface="ニコモジ＋" panose="02000600000000000000" pitchFamily="2" charset="-128"/>
                 <a:ea typeface="ニコモジ＋" panose="02000600000000000000" pitchFamily="2" charset="-128"/>
               </a:rPr>
@@ -21863,14 +21856,14 @@
           </a:p>
           <a:p>
             <a:r>
-              <a:rPr lang="ja-JP" altLang="en-US" dirty="0">
+              <a:rPr lang="ja-JP" altLang="en-US" sz="2800" dirty="0">
                 <a:latin typeface="ニコモジ＋" panose="02000600000000000000" pitchFamily="2" charset="-128"/>
                 <a:ea typeface="ニコモジ＋" panose="02000600000000000000" pitchFamily="2" charset="-128"/>
               </a:rPr>
               <a:t>　</a:t>
             </a:r>
             <a:r>
-              <a:rPr lang="ja-JP" altLang="en-US" dirty="0">
+              <a:rPr lang="ja-JP" altLang="en-US" sz="2800" dirty="0">
                 <a:solidFill>
                   <a:srgbClr val="FF0000"/>
                 </a:solidFill>
@@ -21880,21 +21873,21 @@
               <a:t>トマト</a:t>
             </a:r>
             <a:r>
-              <a:rPr lang="en-US" altLang="ja-JP" dirty="0" smtClean="0">
+              <a:rPr lang="en-US" altLang="ja-JP" sz="2800" dirty="0" smtClean="0">
                 <a:latin typeface="ニコモジ＋" panose="02000600000000000000" pitchFamily="2" charset="-128"/>
                 <a:ea typeface="ニコモジ＋" panose="02000600000000000000" pitchFamily="2" charset="-128"/>
               </a:rPr>
               <a:t>2</a:t>
             </a:r>
             <a:r>
-              <a:rPr lang="ja-JP" altLang="en-US" dirty="0" err="1" smtClean="0">
+              <a:rPr lang="ja-JP" altLang="en-US" sz="2800" dirty="0" err="1" smtClean="0">
                 <a:latin typeface="ニコモジ＋" panose="02000600000000000000" pitchFamily="2" charset="-128"/>
                 <a:ea typeface="ニコモジ＋" panose="02000600000000000000" pitchFamily="2" charset="-128"/>
               </a:rPr>
               <a:t>、</a:t>
             </a:r>
             <a:r>
-              <a:rPr lang="ja-JP" altLang="en-US" dirty="0">
+              <a:rPr lang="ja-JP" altLang="en-US" sz="2800" dirty="0">
                 <a:solidFill>
                   <a:schemeClr val="accent6"/>
                 </a:solidFill>
@@ -21904,21 +21897,21 @@
               <a:t>バジル</a:t>
             </a:r>
             <a:r>
-              <a:rPr lang="en-US" altLang="ja-JP" dirty="0" smtClean="0">
+              <a:rPr lang="en-US" altLang="ja-JP" sz="2800" dirty="0" smtClean="0">
                 <a:latin typeface="ニコモジ＋" panose="02000600000000000000" pitchFamily="2" charset="-128"/>
                 <a:ea typeface="ニコモジ＋" panose="02000600000000000000" pitchFamily="2" charset="-128"/>
               </a:rPr>
               <a:t>1</a:t>
             </a:r>
             <a:r>
-              <a:rPr lang="ja-JP" altLang="en-US" dirty="0" err="1" smtClean="0">
+              <a:rPr lang="ja-JP" altLang="en-US" sz="2800" dirty="0" err="1" smtClean="0">
                 <a:latin typeface="ニコモジ＋" panose="02000600000000000000" pitchFamily="2" charset="-128"/>
                 <a:ea typeface="ニコモジ＋" panose="02000600000000000000" pitchFamily="2" charset="-128"/>
               </a:rPr>
               <a:t>、</a:t>
             </a:r>
             <a:r>
-              <a:rPr lang="ja-JP" altLang="en-US" dirty="0">
+              <a:rPr lang="ja-JP" altLang="en-US" sz="2800" dirty="0">
                 <a:solidFill>
                   <a:schemeClr val="accent4"/>
                 </a:solidFill>
@@ -21928,13 +21921,13 @@
               <a:t>キノコ</a:t>
             </a:r>
             <a:r>
-              <a:rPr lang="en-US" altLang="ja-JP" dirty="0" smtClean="0">
+              <a:rPr lang="en-US" altLang="ja-JP" sz="2800" dirty="0" smtClean="0">
                 <a:latin typeface="ニコモジ＋" panose="02000600000000000000" pitchFamily="2" charset="-128"/>
                 <a:ea typeface="ニコモジ＋" panose="02000600000000000000" pitchFamily="2" charset="-128"/>
               </a:rPr>
               <a:t>1</a:t>
             </a:r>
-            <a:endParaRPr lang="en-US" altLang="ja-JP" dirty="0">
+            <a:endParaRPr lang="en-US" altLang="ja-JP" sz="2800" dirty="0">
               <a:latin typeface="ニコモジ＋" panose="02000600000000000000" pitchFamily="2" charset="-128"/>
               <a:ea typeface="ニコモジ＋" panose="02000600000000000000" pitchFamily="2" charset="-128"/>
             </a:endParaRPr>
@@ -21944,7 +21937,7 @@
               <a:buFont typeface="Arial" panose="020B0604020202020204" pitchFamily="34" charset="0"/>
               <a:buChar char="•"/>
             </a:pPr>
-            <a:endParaRPr lang="en-US" altLang="ja-JP" dirty="0">
+            <a:endParaRPr lang="en-US" altLang="ja-JP" sz="2800" dirty="0">
               <a:latin typeface="ニコモジ＋" panose="02000600000000000000" pitchFamily="2" charset="-128"/>
               <a:ea typeface="ニコモジ＋" panose="02000600000000000000" pitchFamily="2" charset="-128"/>
             </a:endParaRPr>
@@ -21955,14 +21948,14 @@
               <a:buChar char="•"/>
             </a:pPr>
             <a:r>
-              <a:rPr lang="en-US" altLang="ja-JP" dirty="0">
+              <a:rPr lang="en-US" altLang="ja-JP" sz="2800" dirty="0">
                 <a:latin typeface="ニコモジ＋" panose="02000600000000000000" pitchFamily="2" charset="-128"/>
                 <a:ea typeface="ニコモジ＋" panose="02000600000000000000" pitchFamily="2" charset="-128"/>
               </a:rPr>
               <a:t>○○</a:t>
             </a:r>
             <a:r>
-              <a:rPr lang="ja-JP" altLang="en-US" dirty="0">
+              <a:rPr lang="ja-JP" altLang="en-US" sz="2800" dirty="0">
                 <a:latin typeface="ニコモジ＋" panose="02000600000000000000" pitchFamily="2" charset="-128"/>
                 <a:ea typeface="ニコモジ＋" panose="02000600000000000000" pitchFamily="2" charset="-128"/>
               </a:rPr>
@@ -21971,14 +21964,14 @@
           </a:p>
           <a:p>
             <a:r>
-              <a:rPr lang="ja-JP" altLang="en-US" dirty="0">
+              <a:rPr lang="ja-JP" altLang="en-US" sz="2800" dirty="0">
                 <a:latin typeface="ニコモジ＋" panose="02000600000000000000" pitchFamily="2" charset="-128"/>
                 <a:ea typeface="ニコモジ＋" panose="02000600000000000000" pitchFamily="2" charset="-128"/>
               </a:rPr>
               <a:t>　各種</a:t>
             </a:r>
             <a:r>
-              <a:rPr lang="en-US" altLang="ja-JP" dirty="0">
+              <a:rPr lang="en-US" altLang="ja-JP" sz="2800" dirty="0">
                 <a:latin typeface="ニコモジ＋" panose="02000600000000000000" pitchFamily="2" charset="-128"/>
                 <a:ea typeface="ニコモジ＋" panose="02000600000000000000" pitchFamily="2" charset="-128"/>
               </a:rPr>
@@ -21991,7 +21984,7 @@
               <a:buChar char="•"/>
             </a:pPr>
             <a:r>
-              <a:rPr lang="ja-JP" altLang="en-US" dirty="0">
+              <a:rPr lang="ja-JP" altLang="en-US" sz="2800" dirty="0">
                 <a:latin typeface="ニコモジ＋" panose="02000600000000000000" pitchFamily="2" charset="-128"/>
                 <a:ea typeface="ニコモジ＋" panose="02000600000000000000" pitchFamily="2" charset="-128"/>
               </a:rPr>
@@ -22000,21 +21993,21 @@
           </a:p>
           <a:p>
             <a:r>
-              <a:rPr lang="ja-JP" altLang="en-US" dirty="0">
+              <a:rPr lang="ja-JP" altLang="en-US" sz="2800" dirty="0">
                 <a:latin typeface="ニコモジ＋" panose="02000600000000000000" pitchFamily="2" charset="-128"/>
                 <a:ea typeface="ニコモジ＋" panose="02000600000000000000" pitchFamily="2" charset="-128"/>
               </a:rPr>
               <a:t>　全部</a:t>
             </a:r>
             <a:r>
-              <a:rPr lang="en-US" altLang="ja-JP" dirty="0">
+              <a:rPr lang="en-US" altLang="ja-JP" sz="2800" dirty="0">
                 <a:latin typeface="ニコモジ＋" panose="02000600000000000000" pitchFamily="2" charset="-128"/>
                 <a:ea typeface="ニコモジ＋" panose="02000600000000000000" pitchFamily="2" charset="-128"/>
               </a:rPr>
               <a:t>1</a:t>
             </a:r>
             <a:r>
-              <a:rPr lang="ja-JP" altLang="en-US" dirty="0">
+              <a:rPr lang="ja-JP" altLang="en-US" sz="2800" dirty="0">
                 <a:latin typeface="ニコモジ＋" panose="02000600000000000000" pitchFamily="2" charset="-128"/>
                 <a:ea typeface="ニコモジ＋" panose="02000600000000000000" pitchFamily="2" charset="-128"/>
               </a:rPr>
@@ -22022,7 +22015,7 @@
             </a:r>
           </a:p>
           <a:p>
-            <a:endParaRPr kumimoji="1" lang="ja-JP" altLang="en-US" dirty="0"/>
+            <a:endParaRPr kumimoji="1" lang="ja-JP" altLang="en-US" sz="2800" dirty="0"/>
           </a:p>
         </p:txBody>
       </p:sp>
@@ -22508,8 +22501,8 @@
         </p:nvSpPr>
         <p:spPr>
           <a:xfrm>
-            <a:off x="425450" y="1335315"/>
-            <a:ext cx="3371850" cy="923330"/>
+            <a:off x="425449" y="1335315"/>
+            <a:ext cx="5171267" cy="1569660"/>
           </a:xfrm>
           <a:prstGeom prst="rect">
             <a:avLst/>
@@ -22527,13 +22520,19 @@
               <a:buChar char="•"/>
             </a:pPr>
             <a:r>
-              <a:rPr lang="ja-JP" altLang="en-US" dirty="0" smtClean="0">
+              <a:rPr lang="ja-JP" altLang="en-US" sz="3200" dirty="0" smtClean="0">
+                <a:solidFill>
+                  <a:schemeClr val="accent1"/>
+                </a:solidFill>
                 <a:latin typeface="ニコモジ＋" panose="02000600000000000000" pitchFamily="2" charset="-128"/>
                 <a:ea typeface="ニコモジ＋" panose="02000600000000000000" pitchFamily="2" charset="-128"/>
               </a:rPr>
               <a:t>スピードアップ</a:t>
             </a:r>
-            <a:endParaRPr lang="en-US" altLang="ja-JP" dirty="0" smtClean="0">
+            <a:endParaRPr lang="en-US" altLang="ja-JP" sz="3200" dirty="0" smtClean="0">
+              <a:solidFill>
+                <a:schemeClr val="accent1"/>
+              </a:solidFill>
               <a:latin typeface="ニコモジ＋" panose="02000600000000000000" pitchFamily="2" charset="-128"/>
               <a:ea typeface="ニコモジ＋" panose="02000600000000000000" pitchFamily="2" charset="-128"/>
             </a:endParaRPr>
@@ -22544,13 +22543,19 @@
               <a:buChar char="•"/>
             </a:pPr>
             <a:r>
-              <a:rPr lang="ja-JP" altLang="en-US" dirty="0">
+              <a:rPr lang="ja-JP" altLang="en-US" sz="3200" dirty="0">
+                <a:solidFill>
+                  <a:schemeClr val="accent1"/>
+                </a:solidFill>
                 <a:latin typeface="ニコモジ＋" panose="02000600000000000000" pitchFamily="2" charset="-128"/>
                 <a:ea typeface="ニコモジ＋" panose="02000600000000000000" pitchFamily="2" charset="-128"/>
               </a:rPr>
               <a:t>移動速度が１．５倍になる</a:t>
             </a:r>
-            <a:endParaRPr lang="en-US" altLang="ja-JP" dirty="0">
+            <a:endParaRPr lang="en-US" altLang="ja-JP" sz="3200" dirty="0">
+              <a:solidFill>
+                <a:schemeClr val="accent1"/>
+              </a:solidFill>
               <a:latin typeface="ニコモジ＋" panose="02000600000000000000" pitchFamily="2" charset="-128"/>
               <a:ea typeface="ニコモジ＋" panose="02000600000000000000" pitchFamily="2" charset="-128"/>
             </a:endParaRPr>
@@ -22560,7 +22565,10 @@
               <a:buFont typeface="Arial" panose="020B0604020202020204" pitchFamily="34" charset="0"/>
               <a:buChar char="•"/>
             </a:pPr>
-            <a:endParaRPr lang="en-US" altLang="ja-JP" dirty="0">
+            <a:endParaRPr lang="en-US" altLang="ja-JP" sz="3200" dirty="0">
+              <a:solidFill>
+                <a:schemeClr val="accent1"/>
+              </a:solidFill>
               <a:latin typeface="ニコモジ＋" panose="02000600000000000000" pitchFamily="2" charset="-128"/>
               <a:ea typeface="ニコモジ＋" panose="02000600000000000000" pitchFamily="2" charset="-128"/>
             </a:endParaRPr>
@@ -22575,8 +22583,8 @@
         </p:nvSpPr>
         <p:spPr>
           <a:xfrm>
-            <a:off x="4269308" y="1335315"/>
-            <a:ext cx="5319191" cy="1200329"/>
+            <a:off x="342265" y="2598058"/>
+            <a:ext cx="8157823" cy="2062103"/>
           </a:xfrm>
           <a:prstGeom prst="rect">
             <a:avLst/>
@@ -22594,13 +22602,19 @@
               <a:buChar char="•"/>
             </a:pPr>
             <a:r>
-              <a:rPr lang="ja-JP" altLang="en-US" dirty="0" smtClean="0">
+              <a:rPr lang="ja-JP" altLang="en-US" sz="3200" dirty="0" smtClean="0">
+                <a:solidFill>
+                  <a:srgbClr val="FF0000"/>
+                </a:solidFill>
                 <a:latin typeface="ニコモジ＋" panose="02000600000000000000" pitchFamily="2" charset="-128"/>
                 <a:ea typeface="ニコモジ＋" panose="02000600000000000000" pitchFamily="2" charset="-128"/>
               </a:rPr>
               <a:t>攻撃可能アイテム</a:t>
             </a:r>
-            <a:endParaRPr lang="en-US" altLang="ja-JP" dirty="0" smtClean="0">
+            <a:endParaRPr lang="en-US" altLang="ja-JP" sz="3200" dirty="0" smtClean="0">
+              <a:solidFill>
+                <a:srgbClr val="FF0000"/>
+              </a:solidFill>
               <a:latin typeface="ニコモジ＋" panose="02000600000000000000" pitchFamily="2" charset="-128"/>
               <a:ea typeface="ニコモジ＋" panose="02000600000000000000" pitchFamily="2" charset="-128"/>
             </a:endParaRPr>
@@ -22611,41 +22625,60 @@
               <a:buChar char="•"/>
             </a:pPr>
             <a:r>
-              <a:rPr kumimoji="1" lang="ja-JP" altLang="en-US" dirty="0" smtClean="0">
+              <a:rPr kumimoji="1" lang="ja-JP" altLang="en-US" sz="3200" dirty="0" smtClean="0">
+                <a:solidFill>
+                  <a:srgbClr val="FF0000"/>
+                </a:solidFill>
                 <a:latin typeface="ニコモジ＋" panose="02000600000000000000" pitchFamily="2" charset="-128"/>
                 <a:ea typeface="ニコモジ＋" panose="02000600000000000000" pitchFamily="2" charset="-128"/>
               </a:rPr>
               <a:t>移動</a:t>
             </a:r>
             <a:r>
-              <a:rPr kumimoji="1" lang="ja-JP" altLang="en-US" dirty="0">
+              <a:rPr kumimoji="1" lang="ja-JP" altLang="en-US" sz="3200" dirty="0">
+                <a:solidFill>
+                  <a:srgbClr val="FF0000"/>
+                </a:solidFill>
                 <a:latin typeface="ニコモジ＋" panose="02000600000000000000" pitchFamily="2" charset="-128"/>
                 <a:ea typeface="ニコモジ＋" panose="02000600000000000000" pitchFamily="2" charset="-128"/>
               </a:rPr>
               <a:t>速度</a:t>
             </a:r>
             <a:r>
-              <a:rPr kumimoji="1" lang="ja-JP" altLang="en-US" dirty="0" smtClean="0">
+              <a:rPr kumimoji="1" lang="ja-JP" altLang="en-US" sz="3200" dirty="0" smtClean="0">
+                <a:solidFill>
+                  <a:srgbClr val="FF0000"/>
+                </a:solidFill>
                 <a:latin typeface="ニコモジ＋" panose="02000600000000000000" pitchFamily="2" charset="-128"/>
                 <a:ea typeface="ニコモジ＋" panose="02000600000000000000" pitchFamily="2" charset="-128"/>
               </a:rPr>
               <a:t>が１．２倍になり、効果時間が切れるまでに一回だけ相手にぶつかって具材を</a:t>
             </a:r>
             <a:r>
-              <a:rPr kumimoji="1" lang="ja-JP" altLang="en-US" smtClean="0">
+              <a:rPr kumimoji="1" lang="ja-JP" altLang="en-US" sz="3200" smtClean="0">
+                <a:solidFill>
+                  <a:srgbClr val="FF0000"/>
+                </a:solidFill>
                 <a:latin typeface="ニコモジ＋" panose="02000600000000000000" pitchFamily="2" charset="-128"/>
                 <a:ea typeface="ニコモジ＋" panose="02000600000000000000" pitchFamily="2" charset="-128"/>
               </a:rPr>
               <a:t>ランダムに相手の所持数の二割落とす</a:t>
             </a:r>
             <a:r>
-              <a:rPr kumimoji="1" lang="ja-JP" altLang="en-US" dirty="0" smtClean="0">
+              <a:rPr kumimoji="1" lang="ja-JP" altLang="en-US" sz="3200" dirty="0" smtClean="0">
+                <a:solidFill>
+                  <a:srgbClr val="FF0000"/>
+                </a:solidFill>
                 <a:latin typeface="ニコモジ＋" panose="02000600000000000000" pitchFamily="2" charset="-128"/>
                 <a:ea typeface="ニコモジ＋" panose="02000600000000000000" pitchFamily="2" charset="-128"/>
               </a:rPr>
               <a:t>ことが出来る</a:t>
             </a:r>
-            <a:endParaRPr kumimoji="1" lang="ja-JP" altLang="en-US" dirty="0"/>
+            <a:endParaRPr kumimoji="1" lang="ja-JP" altLang="en-US" sz="3200" dirty="0">
+              <a:solidFill>
+                <a:srgbClr val="FF0000"/>
+              </a:solidFill>
+            </a:endParaRPr>
           </a:p>
         </p:txBody>
       </p:sp>
@@ -22657,7 +22690,7 @@
         </p:nvSpPr>
         <p:spPr>
           <a:xfrm>
-            <a:off x="284389" y="2686050"/>
+            <a:off x="580481" y="5176701"/>
             <a:ext cx="5619750" cy="646331"/>
           </a:xfrm>
           <a:prstGeom prst="rect">

--- a/仕様書/仕様書.pptx
+++ b/仕様書/仕様書.pptx
@@ -288,7 +288,7 @@
           <a:p>
             <a:fld id="{4C677456-58E5-4306-BF96-A1E735093B11}" type="datetimeFigureOut">
               <a:rPr kumimoji="1" lang="ja-JP" altLang="en-US" smtClean="0"/>
-              <a:t>2022/10/4</a:t>
+              <a:t>2022/10/5</a:t>
             </a:fld>
             <a:endParaRPr kumimoji="1" lang="ja-JP" altLang="en-US"/>
           </a:p>
@@ -490,7 +490,7 @@
           <a:p>
             <a:fld id="{4C677456-58E5-4306-BF96-A1E735093B11}" type="datetimeFigureOut">
               <a:rPr kumimoji="1" lang="ja-JP" altLang="en-US" smtClean="0"/>
-              <a:t>2022/10/4</a:t>
+              <a:t>2022/10/5</a:t>
             </a:fld>
             <a:endParaRPr kumimoji="1" lang="ja-JP" altLang="en-US"/>
           </a:p>
@@ -702,7 +702,7 @@
           <a:p>
             <a:fld id="{4C677456-58E5-4306-BF96-A1E735093B11}" type="datetimeFigureOut">
               <a:rPr kumimoji="1" lang="ja-JP" altLang="en-US" smtClean="0"/>
-              <a:t>2022/10/4</a:t>
+              <a:t>2022/10/5</a:t>
             </a:fld>
             <a:endParaRPr kumimoji="1" lang="ja-JP" altLang="en-US"/>
           </a:p>
@@ -904,7 +904,7 @@
           <a:p>
             <a:fld id="{4C677456-58E5-4306-BF96-A1E735093B11}" type="datetimeFigureOut">
               <a:rPr kumimoji="1" lang="ja-JP" altLang="en-US" smtClean="0"/>
-              <a:t>2022/10/4</a:t>
+              <a:t>2022/10/5</a:t>
             </a:fld>
             <a:endParaRPr kumimoji="1" lang="ja-JP" altLang="en-US"/>
           </a:p>
@@ -1150,7 +1150,7 @@
           <a:p>
             <a:fld id="{4C677456-58E5-4306-BF96-A1E735093B11}" type="datetimeFigureOut">
               <a:rPr kumimoji="1" lang="ja-JP" altLang="en-US" smtClean="0"/>
-              <a:t>2022/10/4</a:t>
+              <a:t>2022/10/5</a:t>
             </a:fld>
             <a:endParaRPr kumimoji="1" lang="ja-JP" altLang="en-US"/>
           </a:p>
@@ -1446,7 +1446,7 @@
           <a:p>
             <a:fld id="{4C677456-58E5-4306-BF96-A1E735093B11}" type="datetimeFigureOut">
               <a:rPr kumimoji="1" lang="ja-JP" altLang="en-US" smtClean="0"/>
-              <a:t>2022/10/4</a:t>
+              <a:t>2022/10/5</a:t>
             </a:fld>
             <a:endParaRPr kumimoji="1" lang="ja-JP" altLang="en-US"/>
           </a:p>
@@ -1877,7 +1877,7 @@
           <a:p>
             <a:fld id="{4C677456-58E5-4306-BF96-A1E735093B11}" type="datetimeFigureOut">
               <a:rPr kumimoji="1" lang="ja-JP" altLang="en-US" smtClean="0"/>
-              <a:t>2022/10/4</a:t>
+              <a:t>2022/10/5</a:t>
             </a:fld>
             <a:endParaRPr kumimoji="1" lang="ja-JP" altLang="en-US"/>
           </a:p>
@@ -1995,7 +1995,7 @@
           <a:p>
             <a:fld id="{4C677456-58E5-4306-BF96-A1E735093B11}" type="datetimeFigureOut">
               <a:rPr kumimoji="1" lang="ja-JP" altLang="en-US" smtClean="0"/>
-              <a:t>2022/10/4</a:t>
+              <a:t>2022/10/5</a:t>
             </a:fld>
             <a:endParaRPr kumimoji="1" lang="ja-JP" altLang="en-US"/>
           </a:p>
@@ -2090,7 +2090,7 @@
           <a:p>
             <a:fld id="{4C677456-58E5-4306-BF96-A1E735093B11}" type="datetimeFigureOut">
               <a:rPr kumimoji="1" lang="ja-JP" altLang="en-US" smtClean="0"/>
-              <a:t>2022/10/4</a:t>
+              <a:t>2022/10/5</a:t>
             </a:fld>
             <a:endParaRPr kumimoji="1" lang="ja-JP" altLang="en-US"/>
           </a:p>
@@ -2399,7 +2399,7 @@
           <a:p>
             <a:fld id="{4C677456-58E5-4306-BF96-A1E735093B11}" type="datetimeFigureOut">
               <a:rPr kumimoji="1" lang="ja-JP" altLang="en-US" smtClean="0"/>
-              <a:t>2022/10/4</a:t>
+              <a:t>2022/10/5</a:t>
             </a:fld>
             <a:endParaRPr kumimoji="1" lang="ja-JP" altLang="en-US"/>
           </a:p>
@@ -2652,7 +2652,7 @@
           <a:p>
             <a:fld id="{4C677456-58E5-4306-BF96-A1E735093B11}" type="datetimeFigureOut">
               <a:rPr kumimoji="1" lang="ja-JP" altLang="en-US" smtClean="0"/>
-              <a:t>2022/10/4</a:t>
+              <a:t>2022/10/5</a:t>
             </a:fld>
             <a:endParaRPr kumimoji="1" lang="ja-JP" altLang="en-US"/>
           </a:p>
@@ -2897,7 +2897,7 @@
           <a:p>
             <a:fld id="{4C677456-58E5-4306-BF96-A1E735093B11}" type="datetimeFigureOut">
               <a:rPr kumimoji="1" lang="ja-JP" altLang="en-US" smtClean="0"/>
-              <a:t>2022/10/4</a:t>
+              <a:t>2022/10/5</a:t>
             </a:fld>
             <a:endParaRPr kumimoji="1" lang="ja-JP" altLang="en-US"/>
           </a:p>
@@ -9297,7 +9297,7 @@
         <p:spPr>
           <a:xfrm>
             <a:off x="4672012" y="328208"/>
-            <a:ext cx="10658475" cy="769441"/>
+            <a:ext cx="6824663" cy="769441"/>
           </a:xfrm>
           <a:prstGeom prst="rect">
             <a:avLst/>
@@ -9376,14 +9376,7 @@
                 <a:latin typeface="ニコモジ＋" panose="02000600000000000000" pitchFamily="2" charset="-128"/>
                 <a:ea typeface="ニコモジ＋" panose="02000600000000000000" pitchFamily="2" charset="-128"/>
               </a:rPr>
-              <a:t>敵にあたったら具材を</a:t>
-            </a:r>
-            <a:r>
-              <a:rPr lang="ja-JP" altLang="en-US" sz="4400" dirty="0" smtClean="0">
-                <a:latin typeface="ニコモジ＋" panose="02000600000000000000" pitchFamily="2" charset="-128"/>
-                <a:ea typeface="ニコモジ＋" panose="02000600000000000000" pitchFamily="2" charset="-128"/>
-              </a:rPr>
-              <a:t>落とす</a:t>
+              <a:t>敵にあたったら具材を落とす</a:t>
             </a:r>
             <a:endParaRPr lang="en-US" altLang="ja-JP" sz="4400" dirty="0" smtClean="0">
               <a:latin typeface="ニコモジ＋" panose="02000600000000000000" pitchFamily="2" charset="-128"/>
@@ -9551,7 +9544,7 @@
         <p:spPr>
           <a:xfrm>
             <a:off x="4672012" y="328208"/>
-            <a:ext cx="10658475" cy="769441"/>
+            <a:ext cx="6996113" cy="769441"/>
           </a:xfrm>
           <a:prstGeom prst="rect">
             <a:avLst/>
@@ -9742,8 +9735,8 @@
         </p:nvSpPr>
         <p:spPr>
           <a:xfrm>
-            <a:off x="4672012" y="328208"/>
-            <a:ext cx="10658475" cy="769441"/>
+            <a:off x="4672013" y="328208"/>
+            <a:ext cx="6630988" cy="769441"/>
           </a:xfrm>
           <a:prstGeom prst="rect">
             <a:avLst/>
@@ -9983,8 +9976,8 @@
         </p:nvSpPr>
         <p:spPr>
           <a:xfrm>
-            <a:off x="4672012" y="328208"/>
-            <a:ext cx="10658475" cy="769441"/>
+            <a:off x="4672013" y="328208"/>
+            <a:ext cx="5830888" cy="769441"/>
           </a:xfrm>
           <a:prstGeom prst="rect">
             <a:avLst/>
@@ -10179,8 +10172,8 @@
         </p:nvSpPr>
         <p:spPr>
           <a:xfrm>
-            <a:off x="4595812" y="328208"/>
-            <a:ext cx="10658475" cy="769441"/>
+            <a:off x="4595813" y="328208"/>
+            <a:ext cx="7240588" cy="769441"/>
           </a:xfrm>
           <a:prstGeom prst="rect">
             <a:avLst/>
@@ -10399,8 +10392,8 @@
         </p:nvSpPr>
         <p:spPr>
           <a:xfrm>
-            <a:off x="4595812" y="328208"/>
-            <a:ext cx="10658475" cy="769441"/>
+            <a:off x="4595813" y="328208"/>
+            <a:ext cx="6986588" cy="769441"/>
           </a:xfrm>
           <a:prstGeom prst="rect">
             <a:avLst/>
